--- a/Arztpraxis.pptx
+++ b/Arztpraxis.pptx
@@ -5977,6 +5977,16 @@
   <p:clrMapOvr>
     <a:masterClrMapping/>
   </p:clrMapOvr>
+  <p:transition spd="slow">
+    <p:wipe/>
+  </p:transition>
+  <p:timing>
+    <p:tnLst>
+      <p:par>
+        <p:cTn id="1" dur="indefinite" restart="never" nodeType="tmRoot"/>
+      </p:par>
+    </p:tnLst>
+  </p:timing>
 </p:sld>
 </file>
 
@@ -6099,6 +6109,25 @@
   <p:clrMapOvr>
     <a:masterClrMapping/>
   </p:clrMapOvr>
+  <mc:AlternateContent xmlns:mc="http://schemas.openxmlformats.org/markup-compatibility/2006">
+    <mc:Choice xmlns:p14="http://schemas.microsoft.com/office/powerpoint/2010/main" Requires="p14">
+      <p:transition spd="slow" p14:dur="1200">
+        <p14:prism/>
+      </p:transition>
+    </mc:Choice>
+    <mc:Fallback>
+      <p:transition spd="slow">
+        <p:fade/>
+      </p:transition>
+    </mc:Fallback>
+  </mc:AlternateContent>
+  <p:timing>
+    <p:tnLst>
+      <p:par>
+        <p:cTn id="1" dur="indefinite" restart="never" nodeType="tmRoot"/>
+      </p:par>
+    </p:tnLst>
+  </p:timing>
 </p:sld>
 </file>
 
@@ -6181,6 +6210,25 @@
   <p:clrMapOvr>
     <a:masterClrMapping/>
   </p:clrMapOvr>
+  <mc:AlternateContent xmlns:mc="http://schemas.openxmlformats.org/markup-compatibility/2006">
+    <mc:Choice xmlns:p14="http://schemas.microsoft.com/office/powerpoint/2010/main" Requires="p14">
+      <p:transition spd="slow" p14:dur="1200">
+        <p14:prism/>
+      </p:transition>
+    </mc:Choice>
+    <mc:Fallback>
+      <p:transition spd="slow">
+        <p:fade/>
+      </p:transition>
+    </mc:Fallback>
+  </mc:AlternateContent>
+  <p:timing>
+    <p:tnLst>
+      <p:par>
+        <p:cTn id="1" dur="indefinite" restart="never" nodeType="tmRoot"/>
+      </p:par>
+    </p:tnLst>
+  </p:timing>
 </p:sld>
 </file>
 
@@ -6243,13 +6291,8 @@
           <a:p>
             <a:r>
               <a:rPr lang="de-DE" dirty="0" smtClean="0"/>
-              <a:t>Variable Anzahl an Behandlungsräumen und Wartezimmern, welche in Array </a:t>
-            </a:r>
-            <a:r>
-              <a:rPr lang="de-DE" smtClean="0"/>
-              <a:t>gespeichert werden</a:t>
-            </a:r>
-            <a:endParaRPr lang="de-DE" dirty="0" smtClean="0"/>
+              <a:t>Variable Anzahl an Behandlungsräumen und Wartezimmern, welche in Array gespeichert werden</a:t>
+            </a:r>
           </a:p>
           <a:p>
             <a:r>
@@ -6260,7 +6303,23 @@
           <a:p>
             <a:r>
               <a:rPr lang="de-DE" dirty="0" smtClean="0"/>
-              <a:t>Lange Listen mit Namen und Krankheiten welche per Zufall generiert werden</a:t>
+              <a:t>Lange Listen mit </a:t>
+            </a:r>
+            <a:r>
+              <a:rPr lang="de-DE" dirty="0" smtClean="0"/>
+              <a:t>400 verschiedenen Namen </a:t>
+            </a:r>
+            <a:r>
+              <a:rPr lang="de-DE" dirty="0" smtClean="0"/>
+              <a:t>und </a:t>
+            </a:r>
+            <a:r>
+              <a:rPr lang="de-DE" dirty="0" smtClean="0"/>
+              <a:t>32 verschiedenen Krankheiten </a:t>
+            </a:r>
+            <a:r>
+              <a:rPr lang="de-DE" dirty="0" smtClean="0"/>
+              <a:t>welche per Zufall generiert werden</a:t>
             </a:r>
           </a:p>
           <a:p>
@@ -6278,6 +6337,25 @@
   <p:clrMapOvr>
     <a:masterClrMapping/>
   </p:clrMapOvr>
+  <mc:AlternateContent xmlns:mc="http://schemas.openxmlformats.org/markup-compatibility/2006">
+    <mc:Choice xmlns:p14="http://schemas.microsoft.com/office/powerpoint/2010/main" Requires="p14">
+      <p:transition spd="slow" p14:dur="1200">
+        <p14:prism/>
+      </p:transition>
+    </mc:Choice>
+    <mc:Fallback>
+      <p:transition spd="slow">
+        <p:fade/>
+      </p:transition>
+    </mc:Fallback>
+  </mc:AlternateContent>
+  <p:timing>
+    <p:tnLst>
+      <p:par>
+        <p:cTn id="1" dur="indefinite" restart="never" nodeType="tmRoot"/>
+      </p:par>
+    </p:tnLst>
+  </p:timing>
 </p:sld>
 </file>
 
@@ -6540,7 +6618,7 @@
   <a:extraClrSchemeLst/>
   <a:extLst>
     <a:ext uri="{05A4C25C-085E-4340-85A3-A5531E510DB2}">
-      <thm15:themeFamily xmlns:thm15="http://schemas.microsoft.com/office/thememl/2012/main" name="Ion" id="{B8441ADB-2E43-4AF7-B97A-BD870242C6A8}" vid="{BACC050B-8757-4460-95D8-E37B46A6B421}"/>
+      <thm15:themeFamily xmlns:thm15="http://schemas.microsoft.com/office/thememl/2012/main" xmlns="" name="Ion" id="{B8441ADB-2E43-4AF7-B97A-BD870242C6A8}" vid="{BACC050B-8757-4460-95D8-E37B46A6B421}"/>
     </a:ext>
   </a:extLst>
 </a:theme>

--- a/Arztpraxis.pptx
+++ b/Arztpraxis.pptx
@@ -5977,9 +5977,18 @@
   <p:clrMapOvr>
     <a:masterClrMapping/>
   </p:clrMapOvr>
-  <p:transition spd="slow">
-    <p:wipe/>
-  </p:transition>
+  <mc:AlternateContent xmlns:mc="http://schemas.openxmlformats.org/markup-compatibility/2006">
+    <mc:Choice xmlns:p14="http://schemas.microsoft.com/office/powerpoint/2010/main" Requires="p14">
+      <p:transition spd="slow" p14:dur="2000">
+        <p:wipe/>
+      </p:transition>
+    </mc:Choice>
+    <mc:Fallback>
+      <p:transition spd="slow">
+        <p:wipe/>
+      </p:transition>
+    </mc:Fallback>
+  </mc:AlternateContent>
   <p:timing>
     <p:tnLst>
       <p:par>
@@ -6111,8 +6120,8 @@
   </p:clrMapOvr>
   <mc:AlternateContent xmlns:mc="http://schemas.openxmlformats.org/markup-compatibility/2006">
     <mc:Choice xmlns:p14="http://schemas.microsoft.com/office/powerpoint/2010/main" Requires="p14">
-      <p:transition spd="slow" p14:dur="1200">
-        <p14:prism/>
+      <p:transition spd="slow" p14:dur="1300">
+        <p14:pan dir="u"/>
       </p:transition>
     </mc:Choice>
     <mc:Fallback>
@@ -6212,8 +6221,8 @@
   </p:clrMapOvr>
   <mc:AlternateContent xmlns:mc="http://schemas.openxmlformats.org/markup-compatibility/2006">
     <mc:Choice xmlns:p14="http://schemas.microsoft.com/office/powerpoint/2010/main" Requires="p14">
-      <p:transition spd="slow" p14:dur="1200">
-        <p14:prism/>
+      <p:transition spd="slow" p14:dur="800">
+        <p14:flythrough/>
       </p:transition>
     </mc:Choice>
     <mc:Fallback>
@@ -6291,7 +6300,15 @@
           <a:p>
             <a:r>
               <a:rPr lang="de-DE" dirty="0" smtClean="0"/>
-              <a:t>Variable Anzahl an Behandlungsräumen und Wartezimmern, welche in Array gespeichert werden</a:t>
+              <a:t>Variable Anzahl an Behandlungsräumen und Wartezimmern, welche </a:t>
+            </a:r>
+            <a:r>
+              <a:rPr lang="de-DE" dirty="0" smtClean="0"/>
+              <a:t>in einem </a:t>
+            </a:r>
+            <a:r>
+              <a:rPr lang="de-DE" dirty="0" smtClean="0"/>
+              <a:t>Array gespeichert werden</a:t>
             </a:r>
           </a:p>
           <a:p>
@@ -6303,23 +6320,7 @@
           <a:p>
             <a:r>
               <a:rPr lang="de-DE" dirty="0" smtClean="0"/>
-              <a:t>Lange Listen mit </a:t>
-            </a:r>
-            <a:r>
-              <a:rPr lang="de-DE" dirty="0" smtClean="0"/>
-              <a:t>400 verschiedenen Namen </a:t>
-            </a:r>
-            <a:r>
-              <a:rPr lang="de-DE" dirty="0" smtClean="0"/>
-              <a:t>und </a:t>
-            </a:r>
-            <a:r>
-              <a:rPr lang="de-DE" dirty="0" smtClean="0"/>
-              <a:t>32 verschiedenen Krankheiten </a:t>
-            </a:r>
-            <a:r>
-              <a:rPr lang="de-DE" dirty="0" smtClean="0"/>
-              <a:t>welche per Zufall generiert werden</a:t>
+              <a:t>Lange Listen mit 400 verschiedenen Namen und 32 verschiedenen Krankheiten welche per Zufall generiert werden</a:t>
             </a:r>
           </a:p>
           <a:p>
@@ -6339,8 +6340,8 @@
   </p:clrMapOvr>
   <mc:AlternateContent xmlns:mc="http://schemas.openxmlformats.org/markup-compatibility/2006">
     <mc:Choice xmlns:p14="http://schemas.microsoft.com/office/powerpoint/2010/main" Requires="p14">
-      <p:transition spd="slow" p14:dur="1200">
-        <p14:prism/>
+      <p:transition spd="slow" p14:dur="1500">
+        <p14:window dir="vert"/>
       </p:transition>
     </mc:Choice>
     <mc:Fallback>
@@ -6618,7 +6619,7 @@
   <a:extraClrSchemeLst/>
   <a:extLst>
     <a:ext uri="{05A4C25C-085E-4340-85A3-A5531E510DB2}">
-      <thm15:themeFamily xmlns:thm15="http://schemas.microsoft.com/office/thememl/2012/main" xmlns="" name="Ion" id="{B8441ADB-2E43-4AF7-B97A-BD870242C6A8}" vid="{BACC050B-8757-4460-95D8-E37B46A6B421}"/>
+      <thm15:themeFamily xmlns="" xmlns:thm15="http://schemas.microsoft.com/office/thememl/2012/main" name="Ion" id="{B8441ADB-2E43-4AF7-B97A-BD870242C6A8}" vid="{BACC050B-8757-4460-95D8-E37B46A6B421}"/>
     </a:ext>
   </a:extLst>
 </a:theme>
